--- a/MobileHomeFlippingBusiness.pptx
+++ b/MobileHomeFlippingBusiness.pptx
@@ -1185,6 +1185,7 @@
         <c:minorTickMark val="none"/>
         <c:tickLblPos val="nextTo"/>
         <c:crossAx val="1124997231"/>
+        <c:crosses val="autoZero"/>
         <c:auto val="1"/>
         <c:lblAlgn val="ctr"/>
         <c:lblOffset val="100"/>
@@ -4639,7 +4640,30 @@
         <a:p>
           <a:r>
             <a:rPr lang="en-US" dirty="0"/>
-            <a:t>Download the file for more information here.</a:t>
+            <a:t>Download the file for more information </a:t>
+          </a:r>
+          <a:r>
+            <a:rPr lang="en-US" dirty="0">
+              <a:solidFill>
+                <a:schemeClr val="bg1"/>
+              </a:solidFill>
+              <a:hlinkClick xmlns:r="http://schemas.openxmlformats.org/officeDocument/2006/relationships" r:id="rId1">
+                <a:extLst>
+                  <a:ext uri="{A12FA001-AC4F-418D-AE19-62706E023703}">
+                    <ahyp:hlinkClr xmlns:ahyp="http://schemas.microsoft.com/office/drawing/2018/hyperlinkcolor" val="tx"/>
+                  </a:ext>
+                </a:extLst>
+              </a:hlinkClick>
+            </a:rPr>
+            <a:t>here</a:t>
+          </a:r>
+          <a:r>
+            <a:rPr lang="en-US" dirty="0">
+              <a:solidFill>
+                <a:schemeClr val="bg1"/>
+              </a:solidFill>
+            </a:rPr>
+            <a:t>.</a:t>
           </a:r>
         </a:p>
       </dgm:t>
@@ -4977,7 +5001,30 @@
           </a:pPr>
           <a:r>
             <a:rPr lang="en-US" sz="3200" kern="1200" dirty="0"/>
-            <a:t>Download the file for more information here.</a:t>
+            <a:t>Download the file for more information </a:t>
+          </a:r>
+          <a:r>
+            <a:rPr lang="en-US" sz="3200" kern="1200" dirty="0">
+              <a:solidFill>
+                <a:schemeClr val="bg1"/>
+              </a:solidFill>
+              <a:hlinkClick xmlns:r="http://schemas.openxmlformats.org/officeDocument/2006/relationships" r:id="rId1">
+                <a:extLst>
+                  <a:ext uri="{A12FA001-AC4F-418D-AE19-62706E023703}">
+                    <ahyp:hlinkClr xmlns:ahyp="http://schemas.microsoft.com/office/drawing/2018/hyperlinkcolor" val="tx"/>
+                  </a:ext>
+                </a:extLst>
+              </a:hlinkClick>
+            </a:rPr>
+            <a:t>here</a:t>
+          </a:r>
+          <a:r>
+            <a:rPr lang="en-US" sz="3200" kern="1200" dirty="0">
+              <a:solidFill>
+                <a:schemeClr val="bg1"/>
+              </a:solidFill>
+            </a:rPr>
+            <a:t>.</a:t>
           </a:r>
         </a:p>
       </dsp:txBody>
@@ -12108,7 +12155,7 @@
             <p:ph idx="1"/>
             <p:extLst>
               <p:ext uri="{D42A27DB-BD31-4B8C-83A1-F6EECF244321}">
-                <p14:modId xmlns:p14="http://schemas.microsoft.com/office/powerpoint/2010/main" val="3581679131"/>
+                <p14:modId xmlns:p14="http://schemas.microsoft.com/office/powerpoint/2010/main" val="3702175744"/>
               </p:ext>
             </p:extLst>
           </p:nvPr>
@@ -12404,7 +12451,16 @@
                   <a:srgbClr val="FFFFFF"/>
                 </a:solidFill>
               </a:rPr>
-              <a:t>- Download the file for more information</a:t>
+              <a:t>- </a:t>
+            </a:r>
+            <a:r>
+              <a:rPr lang="en-US" sz="1800" dirty="0">
+                <a:solidFill>
+                  <a:srgbClr val="FFFFFF"/>
+                </a:solidFill>
+                <a:hlinkClick r:id="rId4"/>
+              </a:rPr>
+              <a:t>Download the file for more information</a:t>
             </a:r>
             <a:endParaRPr lang="en-CA" sz="1800" dirty="0">
               <a:solidFill>
@@ -12429,7 +12485,7 @@
           <p:nvPr/>
         </p:nvPicPr>
         <p:blipFill rotWithShape="1">
-          <a:blip r:embed="rId4">
+          <a:blip r:embed="rId5">
             <a:extLst>
               <a:ext uri="{28A0092B-C50C-407E-A947-70E740481C1C}">
                 <a14:useLocalDpi xmlns:a14="http://schemas.microsoft.com/office/drawing/2010/main" val="0"/>

--- a/MobileHomeFlippingBusiness.pptx
+++ b/MobileHomeFlippingBusiness.pptx
@@ -8,18 +8,19 @@
     <p:sldId id="256" r:id="rId2"/>
     <p:sldId id="259" r:id="rId3"/>
     <p:sldId id="260" r:id="rId4"/>
-    <p:sldId id="258" r:id="rId5"/>
-    <p:sldId id="263" r:id="rId6"/>
-    <p:sldId id="268" r:id="rId7"/>
-    <p:sldId id="269" r:id="rId8"/>
-    <p:sldId id="270" r:id="rId9"/>
-    <p:sldId id="264" r:id="rId10"/>
-    <p:sldId id="257" r:id="rId11"/>
-    <p:sldId id="261" r:id="rId12"/>
-    <p:sldId id="262" r:id="rId13"/>
-    <p:sldId id="265" r:id="rId14"/>
-    <p:sldId id="266" r:id="rId15"/>
-    <p:sldId id="267" r:id="rId16"/>
+    <p:sldId id="271" r:id="rId5"/>
+    <p:sldId id="258" r:id="rId6"/>
+    <p:sldId id="263" r:id="rId7"/>
+    <p:sldId id="268" r:id="rId8"/>
+    <p:sldId id="269" r:id="rId9"/>
+    <p:sldId id="270" r:id="rId10"/>
+    <p:sldId id="264" r:id="rId11"/>
+    <p:sldId id="257" r:id="rId12"/>
+    <p:sldId id="261" r:id="rId13"/>
+    <p:sldId id="262" r:id="rId14"/>
+    <p:sldId id="265" r:id="rId15"/>
+    <p:sldId id="266" r:id="rId16"/>
+    <p:sldId id="267" r:id="rId17"/>
   </p:sldIdLst>
   <p:sldSz cx="12192000" cy="6858000"/>
   <p:notesSz cx="6858000" cy="9144000"/>
@@ -6482,7 +6483,7 @@
           <a:p>
             <a:fld id="{9184DA70-C731-4C70-880D-CCD4705E623C}" type="datetime1">
               <a:rPr lang="en-US" smtClean="0"/>
-              <a:t>1/25/2023</a:t>
+              <a:t>1/28/2023</a:t>
             </a:fld>
             <a:endParaRPr lang="en-US" dirty="0"/>
           </a:p>
@@ -6670,7 +6671,7 @@
           <a:p>
             <a:fld id="{B612A279-0833-481D-8C56-F67FD0AC6C50}" type="datetime1">
               <a:rPr lang="en-US" smtClean="0"/>
-              <a:t>1/25/2023</a:t>
+              <a:t>1/28/2023</a:t>
             </a:fld>
             <a:endParaRPr lang="en-US" dirty="0"/>
           </a:p>
@@ -6912,7 +6913,7 @@
           <a:p>
             <a:fld id="{6587DA83-5663-4C9C-B9AA-0B40A3DAFF81}" type="datetime1">
               <a:rPr lang="en-US" smtClean="0"/>
-              <a:t>1/25/2023</a:t>
+              <a:t>1/28/2023</a:t>
             </a:fld>
             <a:endParaRPr lang="en-US" dirty="0"/>
           </a:p>
@@ -7100,7 +7101,7 @@
           <a:p>
             <a:fld id="{4BE1D723-8F53-4F53-90B0-1982A396982E}" type="datetime1">
               <a:rPr lang="en-US" smtClean="0"/>
-              <a:t>1/25/2023</a:t>
+              <a:t>1/28/2023</a:t>
             </a:fld>
             <a:endParaRPr lang="en-US" dirty="0"/>
           </a:p>
@@ -7473,7 +7474,7 @@
           <a:p>
             <a:fld id="{97669AF7-7BEB-44E4-9852-375E34362B5B}" type="datetime1">
               <a:rPr lang="en-US" smtClean="0"/>
-              <a:t>1/25/2023</a:t>
+              <a:t>1/28/2023</a:t>
             </a:fld>
             <a:endParaRPr lang="en-US" dirty="0"/>
           </a:p>
@@ -7728,7 +7729,7 @@
           <a:p>
             <a:fld id="{BAAAC38D-0552-4C82-B593-E6124DFADBE2}" type="datetime1">
               <a:rPr lang="en-US" smtClean="0"/>
-              <a:t>1/25/2023</a:t>
+              <a:t>1/28/2023</a:t>
             </a:fld>
             <a:endParaRPr lang="en-US" dirty="0"/>
           </a:p>
@@ -8125,7 +8126,7 @@
           <a:p>
             <a:fld id="{D9DF0F1C-5577-4ACB-BB62-DF8F3C494C7E}" type="datetime1">
               <a:rPr lang="en-US" smtClean="0"/>
-              <a:t>1/25/2023</a:t>
+              <a:t>1/28/2023</a:t>
             </a:fld>
             <a:endParaRPr lang="en-US" dirty="0"/>
           </a:p>
@@ -8261,7 +8262,7 @@
           <a:p>
             <a:fld id="{1775B394-D9F9-4F0C-B15D-605F45CB9E9F}" type="datetime1">
               <a:rPr lang="en-US" smtClean="0"/>
-              <a:t>1/25/2023</a:t>
+              <a:t>1/28/2023</a:t>
             </a:fld>
             <a:endParaRPr lang="en-US" dirty="0"/>
           </a:p>
@@ -8418,7 +8419,7 @@
           <a:p>
             <a:fld id="{39667345-2558-425A-8533-9BFDBCE15005}" type="datetime1">
               <a:rPr lang="en-US" smtClean="0"/>
-              <a:t>1/25/2023</a:t>
+              <a:t>1/28/2023</a:t>
             </a:fld>
             <a:endParaRPr lang="en-US" dirty="0"/>
           </a:p>
@@ -8747,7 +8748,7 @@
           <a:p>
             <a:fld id="{92BEA474-078D-4E9B-9B14-09A87B19DC46}" type="datetime1">
               <a:rPr lang="en-US" smtClean="0"/>
-              <a:t>1/25/2023</a:t>
+              <a:t>1/28/2023</a:t>
             </a:fld>
             <a:endParaRPr lang="en-US" dirty="0"/>
           </a:p>
@@ -9097,7 +9098,7 @@
           <a:p>
             <a:fld id="{4907D986-8816-4272-A432-0437A28A9828}" type="datetime1">
               <a:rPr lang="en-US" smtClean="0"/>
-              <a:t>1/25/2023</a:t>
+              <a:t>1/28/2023</a:t>
             </a:fld>
             <a:endParaRPr lang="en-US" dirty="0"/>
           </a:p>
@@ -9358,7 +9359,7 @@
           <a:p>
             <a:fld id="{62D6E202-B606-4609-B914-27C9371A1F6D}" type="datetime1">
               <a:rPr lang="en-US" smtClean="0"/>
-              <a:t>1/25/2023</a:t>
+              <a:t>1/28/2023</a:t>
             </a:fld>
             <a:endParaRPr lang="en-US" dirty="0"/>
           </a:p>
@@ -10345,7 +10346,7 @@
           <p:cNvPr id="2" name="Title 1">
             <a:extLst>
               <a:ext uri="{FF2B5EF4-FFF2-40B4-BE49-F238E27FC236}">
-                <a16:creationId xmlns:a16="http://schemas.microsoft.com/office/drawing/2014/main" id="{E4FF926D-5422-B35D-C40A-8D93159A188A}"/>
+                <a16:creationId xmlns:a16="http://schemas.microsoft.com/office/drawing/2014/main" id="{7B1E32A5-3240-4A1D-5E9B-C21E0EF2293C}"/>
               </a:ext>
             </a:extLst>
           </p:cNvPr>
@@ -10374,7 +10375,7 @@
                   <a:srgbClr val="FFFFFF"/>
                 </a:solidFill>
               </a:rPr>
-              <a:t>Our Target &amp; Cost Forecast: </a:t>
+              <a:t>Area Research: </a:t>
             </a:r>
             <a:r>
               <a:rPr lang="en-US" sz="2800" dirty="0">
@@ -10382,7 +10383,7 @@
                   <a:srgbClr val="FFFFFF"/>
                 </a:solidFill>
               </a:rPr>
-              <a:t>Business Plan</a:t>
+              <a:t>Research &amp; Analysis</a:t>
             </a:r>
             <a:endParaRPr lang="en-CA" dirty="0">
               <a:solidFill>
@@ -10392,38 +10393,73 @@
           </a:p>
         </p:txBody>
       </p:sp>
-      <p:sp>
-        <p:nvSpPr>
-          <p:cNvPr id="3" name="Content Placeholder 2">
-            <a:extLst>
-              <a:ext uri="{FF2B5EF4-FFF2-40B4-BE49-F238E27FC236}">
-                <a16:creationId xmlns:a16="http://schemas.microsoft.com/office/drawing/2014/main" id="{F750966E-B882-43A3-F76B-C328775D5046}"/>
-              </a:ext>
-            </a:extLst>
-          </p:cNvPr>
-          <p:cNvSpPr>
-            <a:spLocks noGrp="1"/>
-          </p:cNvSpPr>
-          <p:nvPr>
-            <p:ph idx="1"/>
-          </p:nvPr>
-        </p:nvSpPr>
-        <p:spPr>
-          <a:xfrm>
-            <a:off x="1096963" y="2675694"/>
-            <a:ext cx="10058400" cy="3193294"/>
-          </a:xfrm>
-        </p:spPr>
-        <p:txBody>
-          <a:bodyPr>
-            <a:normAutofit/>
-          </a:bodyPr>
-          <a:lstStyle/>
-          <a:p>
-            <a:endParaRPr lang="en-CA" dirty="0"/>
-          </a:p>
-        </p:txBody>
-      </p:sp>
+      <mc:AlternateContent xmlns:mc="http://schemas.openxmlformats.org/markup-compatibility/2006">
+        <mc:Choice xmlns:we="http://schemas.microsoft.com/office/webextensions/webextension/2010/11" xmlns:pca="http://schemas.microsoft.com/office/powerpoint/2013/contentapp" Requires="we pca">
+          <p:graphicFrame>
+            <p:nvGraphicFramePr>
+              <p:cNvPr id="4" name="Content Placeholder 3" title="Web Viewer">
+                <a:extLst>
+                  <a:ext uri="{FF2B5EF4-FFF2-40B4-BE49-F238E27FC236}">
+                    <a16:creationId xmlns:a16="http://schemas.microsoft.com/office/drawing/2014/main" id="{9592ADDF-1918-77DC-5ADC-1010A9439DCE}"/>
+                  </a:ext>
+                </a:extLst>
+              </p:cNvPr>
+              <p:cNvGraphicFramePr>
+                <a:graphicFrameLocks noGrp="1"/>
+              </p:cNvGraphicFramePr>
+              <p:nvPr>
+                <p:ph idx="1"/>
+                <p:extLst>
+                  <p:ext uri="{D42A27DB-BD31-4B8C-83A1-F6EECF244321}">
+                    <p14:modId xmlns:p14="http://schemas.microsoft.com/office/powerpoint/2010/main" val="1862841113"/>
+                  </p:ext>
+                </p:extLst>
+              </p:nvPr>
+            </p:nvGraphicFramePr>
+            <p:xfrm>
+              <a:off x="490473" y="2160555"/>
+              <a:ext cx="5350490" cy="3984690"/>
+            </p:xfrm>
+            <a:graphic>
+              <a:graphicData uri="http://schemas.microsoft.com/office/webextensions/webextension/2010/11">
+                <we:webextensionref xmlns:we="http://schemas.microsoft.com/office/webextensions/webextension/2010/11" xmlns:r="http://schemas.openxmlformats.org/officeDocument/2006/relationships" r:id="rId2"/>
+              </a:graphicData>
+            </a:graphic>
+          </p:graphicFrame>
+        </mc:Choice>
+        <mc:Fallback>
+          <p:pic>
+            <p:nvPicPr>
+              <p:cNvPr id="4" name="Content Placeholder 3" title="Web Viewer">
+                <a:extLst>
+                  <a:ext uri="{FF2B5EF4-FFF2-40B4-BE49-F238E27FC236}">
+                    <a16:creationId xmlns:a16="http://schemas.microsoft.com/office/drawing/2014/main" id="{9592ADDF-1918-77DC-5ADC-1010A9439DCE}"/>
+                  </a:ext>
+                </a:extLst>
+              </p:cNvPr>
+              <p:cNvPicPr>
+                <a:picLocks noGrp="1" noRot="1" noChangeAspect="1" noMove="1" noResize="1" noEditPoints="1" noAdjustHandles="1" noChangeArrowheads="1" noChangeShapeType="1"/>
+              </p:cNvPicPr>
+              <p:nvPr/>
+            </p:nvPicPr>
+            <p:blipFill>
+              <a:blip r:embed="rId3"/>
+              <a:stretch>
+                <a:fillRect/>
+              </a:stretch>
+            </p:blipFill>
+            <p:spPr>
+              <a:xfrm>
+                <a:off x="490473" y="2160555"/>
+                <a:ext cx="5350490" cy="3984690"/>
+              </a:xfrm>
+              <a:prstGeom prst="rect">
+                <a:avLst/>
+              </a:prstGeom>
+            </p:spPr>
+          </p:pic>
+        </mc:Fallback>
+      </mc:AlternateContent>
       <p:sp>
         <p:nvSpPr>
           <p:cNvPr id="12" name="Rectangle 11">
@@ -10479,10 +10515,64 @@
           </a:fontRef>
         </p:style>
       </p:sp>
+      <p:sp>
+        <p:nvSpPr>
+          <p:cNvPr id="3" name="TextBox 2">
+            <a:extLst>
+              <a:ext uri="{FF2B5EF4-FFF2-40B4-BE49-F238E27FC236}">
+                <a16:creationId xmlns:a16="http://schemas.microsoft.com/office/drawing/2014/main" id="{18670155-29BF-B388-D1AE-986ED69578BE}"/>
+              </a:ext>
+            </a:extLst>
+          </p:cNvPr>
+          <p:cNvSpPr txBox="1"/>
+          <p:nvPr/>
+        </p:nvSpPr>
+        <p:spPr>
+          <a:xfrm>
+            <a:off x="6597682" y="2667230"/>
+            <a:ext cx="5103845" cy="2677656"/>
+          </a:xfrm>
+          <a:prstGeom prst="rect">
+            <a:avLst/>
+          </a:prstGeom>
+          <a:noFill/>
+        </p:spPr>
+        <p:txBody>
+          <a:bodyPr wrap="square" rtlCol="0">
+            <a:spAutoFit/>
+          </a:bodyPr>
+          <a:lstStyle/>
+          <a:p>
+            <a:r>
+              <a:rPr lang="en-US" sz="2400" b="1" u="sng" dirty="0"/>
+              <a:t>How I feel about the area:</a:t>
+            </a:r>
+          </a:p>
+          <a:p>
+            <a:endParaRPr lang="en-US" dirty="0"/>
+          </a:p>
+          <a:p>
+            <a:r>
+              <a:rPr lang="en-US" dirty="0"/>
+              <a:t>I live in the area called “Garrison Crossing, which is one of the best areas in town and developing townhouses, condos and housing.</a:t>
+            </a:r>
+          </a:p>
+          <a:p>
+            <a:endParaRPr lang="en-US" dirty="0"/>
+          </a:p>
+          <a:p>
+            <a:r>
+              <a:rPr lang="en-US" dirty="0"/>
+              <a:t>Mobile home located right next to Garrison Crossing, and you can expect to get better value in future. </a:t>
+            </a:r>
+            <a:endParaRPr lang="en-CA" dirty="0"/>
+          </a:p>
+        </p:txBody>
+      </p:sp>
     </p:spTree>
     <p:extLst>
       <p:ext uri="{BB962C8B-B14F-4D97-AF65-F5344CB8AC3E}">
-        <p14:creationId xmlns:p14="http://schemas.microsoft.com/office/powerpoint/2010/main" val="1390527032"/>
+        <p14:creationId xmlns:p14="http://schemas.microsoft.com/office/powerpoint/2010/main" val="3415813974"/>
       </p:ext>
     </p:extLst>
   </p:cSld>
@@ -10493,6 +10583,369 @@
 </file>
 
 <file path=ppt/slides/slide11.xml><?xml version="1.0" encoding="utf-8"?>
+<p:sld xmlns:a="http://schemas.openxmlformats.org/drawingml/2006/main" xmlns:r="http://schemas.openxmlformats.org/officeDocument/2006/relationships" xmlns:p="http://schemas.openxmlformats.org/presentationml/2006/main">
+  <p:cSld>
+    <p:bg>
+      <p:bgPr>
+        <a:solidFill>
+          <a:schemeClr val="bg1"/>
+        </a:solidFill>
+        <a:effectLst/>
+      </p:bgPr>
+    </p:bg>
+    <p:spTree>
+      <p:nvGrpSpPr>
+        <p:cNvPr id="1" name=""/>
+        <p:cNvGrpSpPr/>
+        <p:nvPr/>
+      </p:nvGrpSpPr>
+      <p:grpSpPr>
+        <a:xfrm>
+          <a:off x="0" y="0"/>
+          <a:ext cx="0" cy="0"/>
+          <a:chOff x="0" y="0"/>
+          <a:chExt cx="0" cy="0"/>
+        </a:xfrm>
+      </p:grpSpPr>
+      <p:sp>
+        <p:nvSpPr>
+          <p:cNvPr id="21" name="Rectangle 16">
+            <a:extLst>
+              <a:ext uri="{FF2B5EF4-FFF2-40B4-BE49-F238E27FC236}">
+                <a16:creationId xmlns:a16="http://schemas.microsoft.com/office/drawing/2014/main" id="{E844E128-FF69-4E9F-8327-6B504B3C5AE1}"/>
+              </a:ext>
+              <a:ext uri="{C183D7F6-B498-43B3-948B-1728B52AA6E4}">
+                <adec:decorative xmlns:adec="http://schemas.microsoft.com/office/drawing/2017/decorative" val="1"/>
+              </a:ext>
+            </a:extLst>
+          </p:cNvPr>
+          <p:cNvSpPr>
+            <a:spLocks noGrp="1" noRot="1" noChangeAspect="1" noMove="1" noResize="1" noEditPoints="1" noAdjustHandles="1" noChangeArrowheads="1" noChangeShapeType="1" noTextEdit="1"/>
+          </p:cNvSpPr>
+          <p:nvPr>
+            <p:extLst>
+              <p:ext uri="{386F3935-93C4-4BCD-93E2-E3B085C9AB24}">
+                <p16:designElem xmlns:p16="http://schemas.microsoft.com/office/powerpoint/2015/main" val="1"/>
+              </p:ext>
+            </p:extLst>
+          </p:nvPr>
+        </p:nvSpPr>
+        <p:spPr bwMode="white">
+          <a:xfrm>
+            <a:off x="-1" y="0"/>
+            <a:ext cx="12191985" cy="6858000"/>
+          </a:xfrm>
+          <a:prstGeom prst="rect">
+            <a:avLst/>
+          </a:prstGeom>
+          <a:solidFill>
+            <a:srgbClr val="262626"/>
+          </a:solidFill>
+          <a:ln>
+            <a:noFill/>
+          </a:ln>
+        </p:spPr>
+        <p:style>
+          <a:lnRef idx="2">
+            <a:schemeClr val="accent1">
+              <a:shade val="50000"/>
+            </a:schemeClr>
+          </a:lnRef>
+          <a:fillRef idx="1">
+            <a:schemeClr val="accent1"/>
+          </a:fillRef>
+          <a:effectRef idx="0">
+            <a:schemeClr val="accent1"/>
+          </a:effectRef>
+          <a:fontRef idx="minor">
+            <a:schemeClr val="lt1"/>
+          </a:fontRef>
+        </p:style>
+      </p:sp>
+      <p:sp>
+        <p:nvSpPr>
+          <p:cNvPr id="2" name="Title 1">
+            <a:extLst>
+              <a:ext uri="{FF2B5EF4-FFF2-40B4-BE49-F238E27FC236}">
+                <a16:creationId xmlns:a16="http://schemas.microsoft.com/office/drawing/2014/main" id="{E4FF926D-5422-B35D-C40A-8D93159A188A}"/>
+              </a:ext>
+            </a:extLst>
+          </p:cNvPr>
+          <p:cNvSpPr>
+            <a:spLocks noGrp="1"/>
+          </p:cNvSpPr>
+          <p:nvPr>
+            <p:ph type="title"/>
+          </p:nvPr>
+        </p:nvSpPr>
+        <p:spPr>
+          <a:xfrm>
+            <a:off x="5116783" y="516835"/>
+            <a:ext cx="5977937" cy="1666501"/>
+          </a:xfrm>
+        </p:spPr>
+        <p:txBody>
+          <a:bodyPr>
+            <a:normAutofit/>
+          </a:bodyPr>
+          <a:lstStyle/>
+          <a:p>
+            <a:r>
+              <a:rPr lang="en-US" sz="4000" dirty="0">
+                <a:solidFill>
+                  <a:srgbClr val="FFFFFF"/>
+                </a:solidFill>
+              </a:rPr>
+              <a:t>Our Target &amp; Cost Forecast: Business Plan</a:t>
+            </a:r>
+            <a:endParaRPr lang="en-CA" sz="4000" dirty="0">
+              <a:solidFill>
+                <a:srgbClr val="FFFFFF"/>
+              </a:solidFill>
+            </a:endParaRPr>
+          </a:p>
+        </p:txBody>
+      </p:sp>
+      <p:pic>
+        <p:nvPicPr>
+          <p:cNvPr id="5" name="Picture 4" descr="Close up of small house wrapped in green ribbon">
+            <a:extLst>
+              <a:ext uri="{FF2B5EF4-FFF2-40B4-BE49-F238E27FC236}">
+                <a16:creationId xmlns:a16="http://schemas.microsoft.com/office/drawing/2014/main" id="{EEF06986-0B07-7E1D-48F5-25741CDD40B0}"/>
+              </a:ext>
+            </a:extLst>
+          </p:cNvPr>
+          <p:cNvPicPr>
+            <a:picLocks noChangeAspect="1"/>
+          </p:cNvPicPr>
+          <p:nvPr/>
+        </p:nvPicPr>
+        <p:blipFill rotWithShape="1">
+          <a:blip r:embed="rId2">
+            <a:extLst>
+              <a:ext uri="{28A0092B-C50C-407E-A947-70E740481C1C}">
+                <a14:useLocalDpi xmlns:a14="http://schemas.microsoft.com/office/drawing/2010/main" val="0"/>
+              </a:ext>
+            </a:extLst>
+          </a:blip>
+          <a:srcRect l="7891" r="47530" b="-1"/>
+          <a:stretch/>
+        </p:blipFill>
+        <p:spPr>
+          <a:xfrm>
+            <a:off x="20" y="10"/>
+            <a:ext cx="4580077" cy="6857990"/>
+          </a:xfrm>
+          <a:prstGeom prst="rect">
+            <a:avLst/>
+          </a:prstGeom>
+        </p:spPr>
+      </p:pic>
+      <p:cxnSp>
+        <p:nvCxnSpPr>
+          <p:cNvPr id="22" name="Straight Connector 18">
+            <a:extLst>
+              <a:ext uri="{FF2B5EF4-FFF2-40B4-BE49-F238E27FC236}">
+                <a16:creationId xmlns:a16="http://schemas.microsoft.com/office/drawing/2014/main" id="{055CEADF-09EA-423C-8C45-F94AF44D5AF0}"/>
+              </a:ext>
+              <a:ext uri="{C183D7F6-B498-43B3-948B-1728B52AA6E4}">
+                <adec:decorative xmlns:adec="http://schemas.microsoft.com/office/drawing/2017/decorative" val="1"/>
+              </a:ext>
+            </a:extLst>
+          </p:cNvPr>
+          <p:cNvCxnSpPr>
+            <a:cxnSpLocks noGrp="1" noRot="1" noChangeAspect="1" noMove="1" noResize="1" noEditPoints="1" noAdjustHandles="1" noChangeArrowheads="1" noChangeShapeType="1"/>
+          </p:cNvCxnSpPr>
+          <p:nvPr>
+            <p:extLst>
+              <p:ext uri="{386F3935-93C4-4BCD-93E2-E3B085C9AB24}">
+                <p16:designElem xmlns:p16="http://schemas.microsoft.com/office/powerpoint/2015/main" val="1"/>
+              </p:ext>
+            </p:extLst>
+          </p:nvPr>
+        </p:nvCxnSpPr>
+        <p:spPr>
+          <a:xfrm>
+            <a:off x="5200864" y="2353592"/>
+            <a:ext cx="5669280" cy="0"/>
+          </a:xfrm>
+          <a:prstGeom prst="line">
+            <a:avLst/>
+          </a:prstGeom>
+          <a:ln w="19050">
+            <a:solidFill>
+              <a:schemeClr val="accent1"/>
+            </a:solidFill>
+          </a:ln>
+        </p:spPr>
+        <p:style>
+          <a:lnRef idx="1">
+            <a:schemeClr val="accent1"/>
+          </a:lnRef>
+          <a:fillRef idx="0">
+            <a:schemeClr val="accent1"/>
+          </a:fillRef>
+          <a:effectRef idx="0">
+            <a:schemeClr val="accent1"/>
+          </a:effectRef>
+          <a:fontRef idx="minor">
+            <a:schemeClr val="tx1"/>
+          </a:fontRef>
+        </p:style>
+      </p:cxnSp>
+      <p:sp>
+        <p:nvSpPr>
+          <p:cNvPr id="3" name="Content Placeholder 2">
+            <a:extLst>
+              <a:ext uri="{FF2B5EF4-FFF2-40B4-BE49-F238E27FC236}">
+                <a16:creationId xmlns:a16="http://schemas.microsoft.com/office/drawing/2014/main" id="{F750966E-B882-43A3-F76B-C328775D5046}"/>
+              </a:ext>
+            </a:extLst>
+          </p:cNvPr>
+          <p:cNvSpPr>
+            <a:spLocks noGrp="1"/>
+          </p:cNvSpPr>
+          <p:nvPr>
+            <p:ph idx="1"/>
+          </p:nvPr>
+        </p:nvSpPr>
+        <p:spPr>
+          <a:xfrm>
+            <a:off x="5116784" y="2546224"/>
+            <a:ext cx="5977938" cy="3342747"/>
+          </a:xfrm>
+        </p:spPr>
+        <p:txBody>
+          <a:bodyPr>
+            <a:normAutofit/>
+          </a:bodyPr>
+          <a:lstStyle/>
+          <a:p>
+            <a:pPr>
+              <a:lnSpc>
+                <a:spcPct val="110000"/>
+              </a:lnSpc>
+            </a:pPr>
+            <a:r>
+              <a:rPr lang="en-US" sz="1800" dirty="0">
+                <a:solidFill>
+                  <a:srgbClr val="FFFFFF"/>
+                </a:solidFill>
+              </a:rPr>
+              <a:t>Target Purchase Price:			$110,000</a:t>
+            </a:r>
+          </a:p>
+          <a:p>
+            <a:pPr>
+              <a:lnSpc>
+                <a:spcPct val="110000"/>
+              </a:lnSpc>
+            </a:pPr>
+            <a:r>
+              <a:rPr lang="en-US" sz="1800" dirty="0">
+                <a:solidFill>
+                  <a:srgbClr val="FFFFFF"/>
+                </a:solidFill>
+              </a:rPr>
+              <a:t>Target Selling Price: 			$250,000</a:t>
+            </a:r>
+          </a:p>
+          <a:p>
+            <a:pPr>
+              <a:lnSpc>
+                <a:spcPct val="110000"/>
+              </a:lnSpc>
+            </a:pPr>
+            <a:r>
+              <a:rPr lang="en-US" sz="1800">
+                <a:solidFill>
+                  <a:srgbClr val="FFFFFF"/>
+                </a:solidFill>
+              </a:rPr>
+              <a:t>Anticipated Cost of Renovation:		$    65,000</a:t>
+            </a:r>
+          </a:p>
+          <a:p>
+            <a:pPr>
+              <a:lnSpc>
+                <a:spcPct val="110000"/>
+              </a:lnSpc>
+            </a:pPr>
+            <a:r>
+              <a:rPr lang="en-US" sz="1800" dirty="0">
+                <a:solidFill>
+                  <a:srgbClr val="FFFFFF"/>
+                </a:solidFill>
+              </a:rPr>
+              <a:t>Anticipated Other Costs: 		$    27,800</a:t>
+            </a:r>
+          </a:p>
+          <a:p>
+            <a:pPr>
+              <a:lnSpc>
+                <a:spcPct val="110000"/>
+              </a:lnSpc>
+            </a:pPr>
+            <a:r>
+              <a:rPr lang="en-US" sz="1800" dirty="0">
+                <a:solidFill>
+                  <a:srgbClr val="FFFFFF"/>
+                </a:solidFill>
+              </a:rPr>
+              <a:t>Target Profit:				$    42,000</a:t>
+            </a:r>
+          </a:p>
+          <a:p>
+            <a:pPr>
+              <a:lnSpc>
+                <a:spcPct val="110000"/>
+              </a:lnSpc>
+            </a:pPr>
+            <a:r>
+              <a:rPr lang="en-US" sz="1800" dirty="0">
+                <a:solidFill>
+                  <a:srgbClr val="FFFFFF"/>
+                </a:solidFill>
+              </a:rPr>
+              <a:t>Capital Required: 			$    83,000</a:t>
+            </a:r>
+          </a:p>
+          <a:p>
+            <a:pPr>
+              <a:lnSpc>
+                <a:spcPct val="110000"/>
+              </a:lnSpc>
+            </a:pPr>
+            <a:r>
+              <a:rPr lang="en-US" sz="1800" dirty="0">
+                <a:solidFill>
+                  <a:srgbClr val="FFFFFF"/>
+                </a:solidFill>
+              </a:rPr>
+              <a:t>Return on Investment: 			            50.70%</a:t>
+            </a:r>
+            <a:endParaRPr lang="en-CA" sz="1800" dirty="0">
+              <a:solidFill>
+                <a:srgbClr val="FFFFFF"/>
+              </a:solidFill>
+            </a:endParaRPr>
+          </a:p>
+        </p:txBody>
+      </p:sp>
+    </p:spTree>
+    <p:extLst>
+      <p:ext uri="{BB962C8B-B14F-4D97-AF65-F5344CB8AC3E}">
+        <p14:creationId xmlns:p14="http://schemas.microsoft.com/office/powerpoint/2010/main" val="1390527032"/>
+      </p:ext>
+    </p:extLst>
+  </p:cSld>
+  <p:clrMapOvr>
+    <a:overrideClrMapping bg1="dk1" tx1="lt1" bg2="dk2" tx2="lt2" accent1="accent1" accent2="accent2" accent3="accent3" accent4="accent4" accent5="accent5" accent6="accent6" hlink="hlink" folHlink="folHlink"/>
+  </p:clrMapOvr>
+</p:sld>
+</file>
+
+<file path=ppt/slides/slide12.xml><?xml version="1.0" encoding="utf-8"?>
 <p:sld xmlns:a="http://schemas.openxmlformats.org/drawingml/2006/main" xmlns:r="http://schemas.openxmlformats.org/officeDocument/2006/relationships" xmlns:p="http://schemas.openxmlformats.org/presentationml/2006/main">
   <p:cSld>
     <p:bg>
@@ -10784,7 +11237,7 @@
 </p:sld>
 </file>
 
-<file path=ppt/slides/slide12.xml><?xml version="1.0" encoding="utf-8"?>
+<file path=ppt/slides/slide13.xml><?xml version="1.0" encoding="utf-8"?>
 <p:sld xmlns:a="http://schemas.openxmlformats.org/drawingml/2006/main" xmlns:r="http://schemas.openxmlformats.org/officeDocument/2006/relationships" xmlns:p="http://schemas.openxmlformats.org/presentationml/2006/main">
   <p:cSld>
     <p:bg>
@@ -11076,7 +11529,7 @@
 </p:sld>
 </file>
 
-<file path=ppt/slides/slide13.xml><?xml version="1.0" encoding="utf-8"?>
+<file path=ppt/slides/slide14.xml><?xml version="1.0" encoding="utf-8"?>
 <p:sld xmlns:a="http://schemas.openxmlformats.org/drawingml/2006/main" xmlns:r="http://schemas.openxmlformats.org/officeDocument/2006/relationships" xmlns:p="http://schemas.openxmlformats.org/presentationml/2006/main">
   <p:cSld>
     <p:bg>
@@ -11368,7 +11821,7 @@
 </p:sld>
 </file>
 
-<file path=ppt/slides/slide14.xml><?xml version="1.0" encoding="utf-8"?>
+<file path=ppt/slides/slide15.xml><?xml version="1.0" encoding="utf-8"?>
 <p:sld xmlns:a="http://schemas.openxmlformats.org/drawingml/2006/main" xmlns:r="http://schemas.openxmlformats.org/officeDocument/2006/relationships" xmlns:p="http://schemas.openxmlformats.org/presentationml/2006/main">
   <p:cSld>
     <p:bg>
@@ -11660,7 +12113,7 @@
 </p:sld>
 </file>
 
-<file path=ppt/slides/slide15.xml><?xml version="1.0" encoding="utf-8"?>
+<file path=ppt/slides/slide16.xml><?xml version="1.0" encoding="utf-8"?>
 <p:sld xmlns:a="http://schemas.openxmlformats.org/drawingml/2006/main" xmlns:r="http://schemas.openxmlformats.org/officeDocument/2006/relationships" xmlns:p="http://schemas.openxmlformats.org/presentationml/2006/main">
   <p:cSld>
     <p:bg>
@@ -12543,6 +12996,437 @@
           <a:chExt cx="0" cy="0"/>
         </a:xfrm>
       </p:grpSpPr>
+      <p:sp>
+        <p:nvSpPr>
+          <p:cNvPr id="20" name="Rectangle 19">
+            <a:extLst>
+              <a:ext uri="{FF2B5EF4-FFF2-40B4-BE49-F238E27FC236}">
+                <a16:creationId xmlns:a16="http://schemas.microsoft.com/office/drawing/2014/main" id="{39E3965E-AC41-4711-9D10-E25ABB132D86}"/>
+              </a:ext>
+              <a:ext uri="{C183D7F6-B498-43B3-948B-1728B52AA6E4}">
+                <adec:decorative xmlns:adec="http://schemas.microsoft.com/office/drawing/2017/decorative" val="1"/>
+              </a:ext>
+            </a:extLst>
+          </p:cNvPr>
+          <p:cNvSpPr>
+            <a:spLocks noGrp="1" noRot="1" noChangeAspect="1" noMove="1" noResize="1" noEditPoints="1" noAdjustHandles="1" noChangeArrowheads="1" noChangeShapeType="1" noTextEdit="1"/>
+          </p:cNvSpPr>
+          <p:nvPr>
+            <p:extLst>
+              <p:ext uri="{386F3935-93C4-4BCD-93E2-E3B085C9AB24}">
+                <p16:designElem xmlns:p16="http://schemas.microsoft.com/office/powerpoint/2015/main" val="1"/>
+              </p:ext>
+            </p:extLst>
+          </p:nvPr>
+        </p:nvSpPr>
+        <p:spPr>
+          <a:xfrm>
+            <a:off x="3175" y="6400800"/>
+            <a:ext cx="12188825" cy="457200"/>
+          </a:xfrm>
+          <a:prstGeom prst="rect">
+            <a:avLst/>
+          </a:prstGeom>
+          <a:solidFill>
+            <a:srgbClr val="262626"/>
+          </a:solidFill>
+          <a:ln>
+            <a:noFill/>
+          </a:ln>
+        </p:spPr>
+        <p:style>
+          <a:lnRef idx="2">
+            <a:schemeClr val="accent1">
+              <a:shade val="50000"/>
+            </a:schemeClr>
+          </a:lnRef>
+          <a:fillRef idx="1">
+            <a:schemeClr val="accent1"/>
+          </a:fillRef>
+          <a:effectRef idx="0">
+            <a:schemeClr val="accent1"/>
+          </a:effectRef>
+          <a:fontRef idx="minor">
+            <a:schemeClr val="lt1"/>
+          </a:fontRef>
+        </p:style>
+      </p:sp>
+      <p:cxnSp>
+        <p:nvCxnSpPr>
+          <p:cNvPr id="22" name="Straight Connector 21">
+            <a:extLst>
+              <a:ext uri="{FF2B5EF4-FFF2-40B4-BE49-F238E27FC236}">
+                <a16:creationId xmlns:a16="http://schemas.microsoft.com/office/drawing/2014/main" id="{1F5DC8C3-BA5F-4EED-BB9A-A14272BD82A1}"/>
+              </a:ext>
+              <a:ext uri="{C183D7F6-B498-43B3-948B-1728B52AA6E4}">
+                <adec:decorative xmlns:adec="http://schemas.microsoft.com/office/drawing/2017/decorative" val="1"/>
+              </a:ext>
+            </a:extLst>
+          </p:cNvPr>
+          <p:cNvCxnSpPr>
+            <a:cxnSpLocks noGrp="1" noRot="1" noChangeAspect="1" noMove="1" noResize="1" noEditPoints="1" noAdjustHandles="1" noChangeArrowheads="1" noChangeShapeType="1"/>
+          </p:cNvCxnSpPr>
+          <p:nvPr>
+            <p:extLst>
+              <p:ext uri="{386F3935-93C4-4BCD-93E2-E3B085C9AB24}">
+                <p16:designElem xmlns:p16="http://schemas.microsoft.com/office/powerpoint/2015/main" val="1"/>
+              </p:ext>
+            </p:extLst>
+          </p:nvPr>
+        </p:nvCxnSpPr>
+        <p:spPr>
+          <a:xfrm>
+            <a:off x="1207658" y="4474741"/>
+            <a:ext cx="9875520" cy="0"/>
+          </a:xfrm>
+          <a:prstGeom prst="line">
+            <a:avLst/>
+          </a:prstGeom>
+          <a:ln w="12700">
+            <a:solidFill>
+              <a:schemeClr val="tx1">
+                <a:lumMod val="75000"/>
+                <a:lumOff val="25000"/>
+              </a:schemeClr>
+            </a:solidFill>
+          </a:ln>
+        </p:spPr>
+        <p:style>
+          <a:lnRef idx="1">
+            <a:schemeClr val="accent1"/>
+          </a:lnRef>
+          <a:fillRef idx="0">
+            <a:schemeClr val="accent1"/>
+          </a:fillRef>
+          <a:effectRef idx="0">
+            <a:schemeClr val="accent1"/>
+          </a:effectRef>
+          <a:fontRef idx="minor">
+            <a:schemeClr val="tx1"/>
+          </a:fontRef>
+        </p:style>
+      </p:cxnSp>
+      <p:sp>
+        <p:nvSpPr>
+          <p:cNvPr id="24" name="Rectangle 23">
+            <a:extLst>
+              <a:ext uri="{FF2B5EF4-FFF2-40B4-BE49-F238E27FC236}">
+                <a16:creationId xmlns:a16="http://schemas.microsoft.com/office/drawing/2014/main" id="{0AF4F2BA-3C03-4E2C-8ABC-0949B61B3C5E}"/>
+              </a:ext>
+              <a:ext uri="{C183D7F6-B498-43B3-948B-1728B52AA6E4}">
+                <adec:decorative xmlns:adec="http://schemas.microsoft.com/office/drawing/2017/decorative" val="1"/>
+              </a:ext>
+            </a:extLst>
+          </p:cNvPr>
+          <p:cNvSpPr>
+            <a:spLocks noGrp="1" noRot="1" noChangeAspect="1" noMove="1" noResize="1" noEditPoints="1" noAdjustHandles="1" noChangeArrowheads="1" noChangeShapeType="1" noTextEdit="1"/>
+          </p:cNvSpPr>
+          <p:nvPr>
+            <p:extLst>
+              <p:ext uri="{386F3935-93C4-4BCD-93E2-E3B085C9AB24}">
+                <p16:designElem xmlns:p16="http://schemas.microsoft.com/office/powerpoint/2015/main" val="1"/>
+              </p:ext>
+            </p:extLst>
+          </p:nvPr>
+        </p:nvSpPr>
+        <p:spPr>
+          <a:xfrm>
+            <a:off x="0" y="0"/>
+            <a:ext cx="12192000" cy="6858000"/>
+          </a:xfrm>
+          <a:prstGeom prst="rect">
+            <a:avLst/>
+          </a:prstGeom>
+          <a:solidFill>
+            <a:srgbClr val="000000"/>
+          </a:solidFill>
+          <a:ln>
+            <a:noFill/>
+          </a:ln>
+        </p:spPr>
+        <p:style>
+          <a:lnRef idx="2">
+            <a:schemeClr val="accent1">
+              <a:shade val="50000"/>
+            </a:schemeClr>
+          </a:lnRef>
+          <a:fillRef idx="1">
+            <a:schemeClr val="accent1"/>
+          </a:fillRef>
+          <a:effectRef idx="0">
+            <a:schemeClr val="accent1"/>
+          </a:effectRef>
+          <a:fontRef idx="minor">
+            <a:schemeClr val="lt1"/>
+          </a:fontRef>
+        </p:style>
+        <p:txBody>
+          <a:bodyPr rtlCol="0" anchor="ctr"/>
+          <a:lstStyle/>
+          <a:p>
+            <a:pPr algn="ctr"/>
+            <a:endParaRPr lang="en-US"/>
+          </a:p>
+        </p:txBody>
+      </p:sp>
+      <p:pic>
+        <p:nvPicPr>
+          <p:cNvPr id="5" name="Picture 4" descr="Droplet of water">
+            <a:extLst>
+              <a:ext uri="{FF2B5EF4-FFF2-40B4-BE49-F238E27FC236}">
+                <a16:creationId xmlns:a16="http://schemas.microsoft.com/office/drawing/2014/main" id="{0350C0C8-302D-AAE1-8E7C-B7E6CC1B5637}"/>
+              </a:ext>
+            </a:extLst>
+          </p:cNvPr>
+          <p:cNvPicPr>
+            <a:picLocks noChangeAspect="1"/>
+          </p:cNvPicPr>
+          <p:nvPr/>
+        </p:nvPicPr>
+        <p:blipFill rotWithShape="1">
+          <a:blip r:embed="rId2">
+            <a:alphaModFix amt="35000"/>
+          </a:blip>
+          <a:srcRect t="19858" b="5142"/>
+          <a:stretch/>
+        </p:blipFill>
+        <p:spPr>
+          <a:xfrm>
+            <a:off x="1" y="10"/>
+            <a:ext cx="12191999" cy="6857990"/>
+          </a:xfrm>
+          <a:prstGeom prst="rect">
+            <a:avLst/>
+          </a:prstGeom>
+        </p:spPr>
+      </p:pic>
+      <p:sp>
+        <p:nvSpPr>
+          <p:cNvPr id="2" name="Title 1">
+            <a:extLst>
+              <a:ext uri="{FF2B5EF4-FFF2-40B4-BE49-F238E27FC236}">
+                <a16:creationId xmlns:a16="http://schemas.microsoft.com/office/drawing/2014/main" id="{33EFF1C2-8681-A788-526D-6E99896A8E0D}"/>
+              </a:ext>
+            </a:extLst>
+          </p:cNvPr>
+          <p:cNvSpPr>
+            <a:spLocks noGrp="1"/>
+          </p:cNvSpPr>
+          <p:nvPr>
+            <p:ph type="title"/>
+          </p:nvPr>
+        </p:nvSpPr>
+        <p:spPr>
+          <a:xfrm>
+            <a:off x="1097280" y="758952"/>
+            <a:ext cx="10058400" cy="3566160"/>
+          </a:xfrm>
+        </p:spPr>
+        <p:txBody>
+          <a:bodyPr vert="horz" lIns="91440" tIns="45720" rIns="91440" bIns="45720" rtlCol="0" anchor="b">
+            <a:normAutofit/>
+          </a:bodyPr>
+          <a:lstStyle/>
+          <a:p>
+            <a:r>
+              <a:rPr lang="en-US">
+                <a:solidFill>
+                  <a:srgbClr val="FFFFFF"/>
+                </a:solidFill>
+              </a:rPr>
+              <a:t>Research &amp; Analysis:</a:t>
+            </a:r>
+          </a:p>
+        </p:txBody>
+      </p:sp>
+      <p:sp>
+        <p:nvSpPr>
+          <p:cNvPr id="3" name="Text Placeholder 2">
+            <a:extLst>
+              <a:ext uri="{FF2B5EF4-FFF2-40B4-BE49-F238E27FC236}">
+                <a16:creationId xmlns:a16="http://schemas.microsoft.com/office/drawing/2014/main" id="{A6B7BEEF-8C83-050D-F4F6-0FF80D83E886}"/>
+              </a:ext>
+            </a:extLst>
+          </p:cNvPr>
+          <p:cNvSpPr>
+            <a:spLocks noGrp="1"/>
+          </p:cNvSpPr>
+          <p:nvPr>
+            <p:ph type="body" idx="1"/>
+          </p:nvPr>
+        </p:nvSpPr>
+        <p:spPr>
+          <a:xfrm>
+            <a:off x="1100051" y="4645152"/>
+            <a:ext cx="10058400" cy="1143000"/>
+          </a:xfrm>
+        </p:spPr>
+        <p:txBody>
+          <a:bodyPr vert="horz" lIns="91440" tIns="45720" rIns="91440" bIns="45720" rtlCol="0">
+            <a:normAutofit/>
+          </a:bodyPr>
+          <a:lstStyle/>
+          <a:p>
+            <a:pPr>
+              <a:lnSpc>
+                <a:spcPct val="100000"/>
+              </a:lnSpc>
+            </a:pPr>
+            <a:endParaRPr lang="en-US" dirty="0">
+              <a:solidFill>
+                <a:srgbClr val="FFFFFF"/>
+              </a:solidFill>
+            </a:endParaRPr>
+          </a:p>
+        </p:txBody>
+      </p:sp>
+      <p:cxnSp>
+        <p:nvCxnSpPr>
+          <p:cNvPr id="26" name="Straight Connector 25">
+            <a:extLst>
+              <a:ext uri="{FF2B5EF4-FFF2-40B4-BE49-F238E27FC236}">
+                <a16:creationId xmlns:a16="http://schemas.microsoft.com/office/drawing/2014/main" id="{A07787ED-5EDC-4C54-AD87-55B60D0FE397}"/>
+              </a:ext>
+              <a:ext uri="{C183D7F6-B498-43B3-948B-1728B52AA6E4}">
+                <adec:decorative xmlns:adec="http://schemas.microsoft.com/office/drawing/2017/decorative" val="1"/>
+              </a:ext>
+            </a:extLst>
+          </p:cNvPr>
+          <p:cNvCxnSpPr>
+            <a:cxnSpLocks noGrp="1" noRot="1" noChangeAspect="1" noMove="1" noResize="1" noEditPoints="1" noAdjustHandles="1" noChangeArrowheads="1" noChangeShapeType="1"/>
+          </p:cNvCxnSpPr>
+          <p:nvPr>
+            <p:extLst>
+              <p:ext uri="{386F3935-93C4-4BCD-93E2-E3B085C9AB24}">
+                <p16:designElem xmlns:p16="http://schemas.microsoft.com/office/powerpoint/2015/main" val="1"/>
+              </p:ext>
+            </p:extLst>
+          </p:nvPr>
+        </p:nvCxnSpPr>
+        <p:spPr>
+          <a:xfrm>
+            <a:off x="1207658" y="4474741"/>
+            <a:ext cx="9875520" cy="0"/>
+          </a:xfrm>
+          <a:prstGeom prst="line">
+            <a:avLst/>
+          </a:prstGeom>
+          <a:ln w="12700">
+            <a:solidFill>
+              <a:srgbClr val="FFFFFF"/>
+            </a:solidFill>
+          </a:ln>
+        </p:spPr>
+        <p:style>
+          <a:lnRef idx="1">
+            <a:schemeClr val="accent1"/>
+          </a:lnRef>
+          <a:fillRef idx="0">
+            <a:schemeClr val="accent1"/>
+          </a:fillRef>
+          <a:effectRef idx="0">
+            <a:schemeClr val="accent1"/>
+          </a:effectRef>
+          <a:fontRef idx="minor">
+            <a:schemeClr val="tx1"/>
+          </a:fontRef>
+        </p:style>
+      </p:cxnSp>
+      <p:sp>
+        <p:nvSpPr>
+          <p:cNvPr id="28" name="!!footer rectangle">
+            <a:extLst>
+              <a:ext uri="{FF2B5EF4-FFF2-40B4-BE49-F238E27FC236}">
+                <a16:creationId xmlns:a16="http://schemas.microsoft.com/office/drawing/2014/main" id="{B40A8CA7-7D5A-43B0-A1A0-B558ECA9EED1}"/>
+              </a:ext>
+              <a:ext uri="{C183D7F6-B498-43B3-948B-1728B52AA6E4}">
+                <adec:decorative xmlns:adec="http://schemas.microsoft.com/office/drawing/2017/decorative" val="1"/>
+              </a:ext>
+            </a:extLst>
+          </p:cNvPr>
+          <p:cNvSpPr>
+            <a:spLocks noGrp="1" noRot="1" noChangeAspect="1" noMove="1" noResize="1" noEditPoints="1" noAdjustHandles="1" noChangeArrowheads="1" noChangeShapeType="1" noTextEdit="1"/>
+          </p:cNvSpPr>
+          <p:nvPr>
+            <p:extLst>
+              <p:ext uri="{386F3935-93C4-4BCD-93E2-E3B085C9AB24}">
+                <p16:designElem xmlns:p16="http://schemas.microsoft.com/office/powerpoint/2015/main" val="1"/>
+              </p:ext>
+            </p:extLst>
+          </p:nvPr>
+        </p:nvSpPr>
+        <p:spPr>
+          <a:xfrm>
+            <a:off x="3175" y="6400800"/>
+            <a:ext cx="12188825" cy="457200"/>
+          </a:xfrm>
+          <a:prstGeom prst="rect">
+            <a:avLst/>
+          </a:prstGeom>
+          <a:solidFill>
+            <a:srgbClr val="262626">
+              <a:alpha val="95000"/>
+            </a:srgbClr>
+          </a:solidFill>
+          <a:ln>
+            <a:noFill/>
+          </a:ln>
+        </p:spPr>
+        <p:style>
+          <a:lnRef idx="2">
+            <a:schemeClr val="accent1">
+              <a:shade val="50000"/>
+            </a:schemeClr>
+          </a:lnRef>
+          <a:fillRef idx="1">
+            <a:schemeClr val="accent1"/>
+          </a:fillRef>
+          <a:effectRef idx="0">
+            <a:schemeClr val="accent1"/>
+          </a:effectRef>
+          <a:fontRef idx="minor">
+            <a:schemeClr val="lt1"/>
+          </a:fontRef>
+        </p:style>
+      </p:sp>
+    </p:spTree>
+    <p:extLst>
+      <p:ext uri="{BB962C8B-B14F-4D97-AF65-F5344CB8AC3E}">
+        <p14:creationId xmlns:p14="http://schemas.microsoft.com/office/powerpoint/2010/main" val="487937429"/>
+      </p:ext>
+    </p:extLst>
+  </p:cSld>
+  <p:clrMapOvr>
+    <a:overrideClrMapping bg1="dk1" tx1="lt1" bg2="dk2" tx2="lt2" accent1="accent1" accent2="accent2" accent3="accent3" accent4="accent4" accent5="accent5" accent6="accent6" hlink="hlink" folHlink="folHlink"/>
+  </p:clrMapOvr>
+</p:sld>
+</file>
+
+<file path=ppt/slides/slide5.xml><?xml version="1.0" encoding="utf-8"?>
+<p:sld xmlns:a="http://schemas.openxmlformats.org/drawingml/2006/main" xmlns:r="http://schemas.openxmlformats.org/officeDocument/2006/relationships" xmlns:p="http://schemas.openxmlformats.org/presentationml/2006/main">
+  <p:cSld>
+    <p:bg>
+      <p:bgPr>
+        <a:solidFill>
+          <a:schemeClr val="bg1"/>
+        </a:solidFill>
+        <a:effectLst/>
+      </p:bgPr>
+    </p:bg>
+    <p:spTree>
+      <p:nvGrpSpPr>
+        <p:cNvPr id="1" name=""/>
+        <p:cNvGrpSpPr/>
+        <p:nvPr/>
+      </p:nvGrpSpPr>
+      <p:grpSpPr>
+        <a:xfrm>
+          <a:off x="0" y="0"/>
+          <a:ext cx="0" cy="0"/>
+          <a:chOff x="0" y="0"/>
+          <a:chExt cx="0" cy="0"/>
+        </a:xfrm>
+      </p:grpSpPr>
       <p:sp useBgFill="1">
         <p:nvSpPr>
           <p:cNvPr id="8" name="Rectangle 7">
@@ -13136,7 +14020,7 @@
 </p:sld>
 </file>
 
-<file path=ppt/slides/slide5.xml><?xml version="1.0" encoding="utf-8"?>
+<file path=ppt/slides/slide6.xml><?xml version="1.0" encoding="utf-8"?>
 <p:sld xmlns:a="http://schemas.openxmlformats.org/drawingml/2006/main" xmlns:r="http://schemas.openxmlformats.org/officeDocument/2006/relationships" xmlns:p="http://schemas.openxmlformats.org/presentationml/2006/main">
   <p:cSld>
     <p:bg>
@@ -13458,7 +14342,7 @@
 </p:sld>
 </file>
 
-<file path=ppt/slides/slide6.xml><?xml version="1.0" encoding="utf-8"?>
+<file path=ppt/slides/slide7.xml><?xml version="1.0" encoding="utf-8"?>
 <p:sld xmlns:a="http://schemas.openxmlformats.org/drawingml/2006/main" xmlns:r="http://schemas.openxmlformats.org/officeDocument/2006/relationships" xmlns:p="http://schemas.openxmlformats.org/presentationml/2006/main">
   <p:cSld>
     <p:bg>
@@ -13744,7 +14628,7 @@
 </p:sld>
 </file>
 
-<file path=ppt/slides/slide7.xml><?xml version="1.0" encoding="utf-8"?>
+<file path=ppt/slides/slide8.xml><?xml version="1.0" encoding="utf-8"?>
 <p:sld xmlns:a="http://schemas.openxmlformats.org/drawingml/2006/main" xmlns:r="http://schemas.openxmlformats.org/officeDocument/2006/relationships" xmlns:p="http://schemas.openxmlformats.org/presentationml/2006/main">
   <p:cSld>
     <p:bg>
@@ -14027,7 +14911,7 @@
 </p:sld>
 </file>
 
-<file path=ppt/slides/slide8.xml><?xml version="1.0" encoding="utf-8"?>
+<file path=ppt/slides/slide9.xml><?xml version="1.0" encoding="utf-8"?>
 <p:sld xmlns:a="http://schemas.openxmlformats.org/drawingml/2006/main" xmlns:r="http://schemas.openxmlformats.org/officeDocument/2006/relationships" xmlns:p="http://schemas.openxmlformats.org/presentationml/2006/main">
   <p:cSld>
     <p:bg>
@@ -14309,298 +15193,6 @@
   </p:cSld>
   <p:clrMapOvr>
     <a:overrideClrMapping bg1="dk1" tx1="lt1" bg2="dk2" tx2="lt2" accent1="accent1" accent2="accent2" accent3="accent3" accent4="accent4" accent5="accent5" accent6="accent6" hlink="hlink" folHlink="folHlink"/>
-  </p:clrMapOvr>
-</p:sld>
-</file>
-
-<file path=ppt/slides/slide9.xml><?xml version="1.0" encoding="utf-8"?>
-<p:sld xmlns:a="http://schemas.openxmlformats.org/drawingml/2006/main" xmlns:r="http://schemas.openxmlformats.org/officeDocument/2006/relationships" xmlns:p="http://schemas.openxmlformats.org/presentationml/2006/main">
-  <p:cSld>
-    <p:bg>
-      <p:bgPr>
-        <a:solidFill>
-          <a:schemeClr val="bg1"/>
-        </a:solidFill>
-        <a:effectLst/>
-      </p:bgPr>
-    </p:bg>
-    <p:spTree>
-      <p:nvGrpSpPr>
-        <p:cNvPr id="1" name=""/>
-        <p:cNvGrpSpPr/>
-        <p:nvPr/>
-      </p:nvGrpSpPr>
-      <p:grpSpPr>
-        <a:xfrm>
-          <a:off x="0" y="0"/>
-          <a:ext cx="0" cy="0"/>
-          <a:chOff x="0" y="0"/>
-          <a:chExt cx="0" cy="0"/>
-        </a:xfrm>
-      </p:grpSpPr>
-      <p:sp useBgFill="1">
-        <p:nvSpPr>
-          <p:cNvPr id="8" name="Rectangle 7">
-            <a:extLst>
-              <a:ext uri="{FF2B5EF4-FFF2-40B4-BE49-F238E27FC236}">
-                <a16:creationId xmlns:a16="http://schemas.microsoft.com/office/drawing/2014/main" id="{3558DB37-9FEE-48A2-8578-ED0401573943}"/>
-              </a:ext>
-              <a:ext uri="{C183D7F6-B498-43B3-948B-1728B52AA6E4}">
-                <adec:decorative xmlns:adec="http://schemas.microsoft.com/office/drawing/2017/decorative" val="1"/>
-              </a:ext>
-            </a:extLst>
-          </p:cNvPr>
-          <p:cNvSpPr>
-            <a:spLocks noGrp="1" noRot="1" noChangeAspect="1" noMove="1" noResize="1" noEditPoints="1" noAdjustHandles="1" noChangeArrowheads="1" noChangeShapeType="1" noTextEdit="1"/>
-          </p:cNvSpPr>
-          <p:nvPr>
-            <p:extLst>
-              <p:ext uri="{386F3935-93C4-4BCD-93E2-E3B085C9AB24}">
-                <p16:designElem xmlns:p16="http://schemas.microsoft.com/office/powerpoint/2015/main" val="1"/>
-              </p:ext>
-            </p:extLst>
-          </p:nvPr>
-        </p:nvSpPr>
-        <p:spPr>
-          <a:xfrm>
-            <a:off x="1507" y="0"/>
-            <a:ext cx="12192000" cy="6858000"/>
-          </a:xfrm>
-          <a:prstGeom prst="rect">
-            <a:avLst/>
-          </a:prstGeom>
-          <a:ln>
-            <a:noFill/>
-          </a:ln>
-        </p:spPr>
-        <p:style>
-          <a:lnRef idx="2">
-            <a:schemeClr val="accent1">
-              <a:shade val="50000"/>
-            </a:schemeClr>
-          </a:lnRef>
-          <a:fillRef idx="1">
-            <a:schemeClr val="accent1"/>
-          </a:fillRef>
-          <a:effectRef idx="0">
-            <a:schemeClr val="accent1"/>
-          </a:effectRef>
-          <a:fontRef idx="minor">
-            <a:schemeClr val="lt1"/>
-          </a:fontRef>
-        </p:style>
-        <p:txBody>
-          <a:bodyPr rtlCol="0" anchor="ctr"/>
-          <a:lstStyle/>
-          <a:p>
-            <a:pPr algn="ctr"/>
-            <a:endParaRPr lang="en-US"/>
-          </a:p>
-        </p:txBody>
-      </p:sp>
-      <p:sp>
-        <p:nvSpPr>
-          <p:cNvPr id="10" name="Rectangle 9">
-            <a:extLst>
-              <a:ext uri="{FF2B5EF4-FFF2-40B4-BE49-F238E27FC236}">
-                <a16:creationId xmlns:a16="http://schemas.microsoft.com/office/drawing/2014/main" id="{5F7FCCA6-00E2-4F74-A105-0D769872F243}"/>
-              </a:ext>
-              <a:ext uri="{C183D7F6-B498-43B3-948B-1728B52AA6E4}">
-                <adec:decorative xmlns:adec="http://schemas.microsoft.com/office/drawing/2017/decorative" val="1"/>
-              </a:ext>
-            </a:extLst>
-          </p:cNvPr>
-          <p:cNvSpPr>
-            <a:spLocks noGrp="1" noRot="1" noChangeAspect="1" noMove="1" noResize="1" noEditPoints="1" noAdjustHandles="1" noChangeArrowheads="1" noChangeShapeType="1" noTextEdit="1"/>
-          </p:cNvSpPr>
-          <p:nvPr>
-            <p:extLst>
-              <p:ext uri="{386F3935-93C4-4BCD-93E2-E3B085C9AB24}">
-                <p16:designElem xmlns:p16="http://schemas.microsoft.com/office/powerpoint/2015/main" val="1"/>
-              </p:ext>
-            </p:extLst>
-          </p:nvPr>
-        </p:nvSpPr>
-        <p:spPr bwMode="white">
-          <a:xfrm>
-            <a:off x="1507" y="0"/>
-            <a:ext cx="12188952" cy="1905000"/>
-          </a:xfrm>
-          <a:prstGeom prst="rect">
-            <a:avLst/>
-          </a:prstGeom>
-          <a:solidFill>
-            <a:srgbClr val="262626"/>
-          </a:solidFill>
-          <a:ln>
-            <a:noFill/>
-          </a:ln>
-        </p:spPr>
-        <p:style>
-          <a:lnRef idx="2">
-            <a:schemeClr val="accent1">
-              <a:shade val="50000"/>
-            </a:schemeClr>
-          </a:lnRef>
-          <a:fillRef idx="1">
-            <a:schemeClr val="accent1"/>
-          </a:fillRef>
-          <a:effectRef idx="0">
-            <a:schemeClr val="accent1"/>
-          </a:effectRef>
-          <a:fontRef idx="minor">
-            <a:schemeClr val="lt1"/>
-          </a:fontRef>
-        </p:style>
-      </p:sp>
-      <p:sp>
-        <p:nvSpPr>
-          <p:cNvPr id="2" name="Title 1">
-            <a:extLst>
-              <a:ext uri="{FF2B5EF4-FFF2-40B4-BE49-F238E27FC236}">
-                <a16:creationId xmlns:a16="http://schemas.microsoft.com/office/drawing/2014/main" id="{7B1E32A5-3240-4A1D-5E9B-C21E0EF2293C}"/>
-              </a:ext>
-            </a:extLst>
-          </p:cNvPr>
-          <p:cNvSpPr>
-            <a:spLocks noGrp="1"/>
-          </p:cNvSpPr>
-          <p:nvPr>
-            <p:ph type="title"/>
-          </p:nvPr>
-        </p:nvSpPr>
-        <p:spPr>
-          <a:xfrm>
-            <a:off x="1097280" y="286603"/>
-            <a:ext cx="10058400" cy="1450757"/>
-          </a:xfrm>
-        </p:spPr>
-        <p:txBody>
-          <a:bodyPr anchor="ctr">
-            <a:normAutofit/>
-          </a:bodyPr>
-          <a:lstStyle/>
-          <a:p>
-            <a:r>
-              <a:rPr lang="en-US" dirty="0">
-                <a:solidFill>
-                  <a:srgbClr val="FFFFFF"/>
-                </a:solidFill>
-              </a:rPr>
-              <a:t>Area Research: </a:t>
-            </a:r>
-            <a:r>
-              <a:rPr lang="en-US" sz="2800" dirty="0">
-                <a:solidFill>
-                  <a:srgbClr val="FFFFFF"/>
-                </a:solidFill>
-              </a:rPr>
-              <a:t>Research &amp; Analysis</a:t>
-            </a:r>
-            <a:endParaRPr lang="en-CA" dirty="0">
-              <a:solidFill>
-                <a:srgbClr val="FFFFFF"/>
-              </a:solidFill>
-            </a:endParaRPr>
-          </a:p>
-        </p:txBody>
-      </p:sp>
-      <p:sp>
-        <p:nvSpPr>
-          <p:cNvPr id="3" name="Content Placeholder 2">
-            <a:extLst>
-              <a:ext uri="{FF2B5EF4-FFF2-40B4-BE49-F238E27FC236}">
-                <a16:creationId xmlns:a16="http://schemas.microsoft.com/office/drawing/2014/main" id="{610A6A00-95F1-53EE-BABF-A015C99DE40F}"/>
-              </a:ext>
-            </a:extLst>
-          </p:cNvPr>
-          <p:cNvSpPr>
-            <a:spLocks noGrp="1"/>
-          </p:cNvSpPr>
-          <p:nvPr>
-            <p:ph idx="1"/>
-          </p:nvPr>
-        </p:nvSpPr>
-        <p:spPr>
-          <a:xfrm>
-            <a:off x="1096963" y="2675694"/>
-            <a:ext cx="10058400" cy="3193294"/>
-          </a:xfrm>
-        </p:spPr>
-        <p:txBody>
-          <a:bodyPr>
-            <a:normAutofit/>
-          </a:bodyPr>
-          <a:lstStyle/>
-          <a:p>
-            <a:endParaRPr lang="en-CA"/>
-          </a:p>
-        </p:txBody>
-      </p:sp>
-      <p:sp>
-        <p:nvSpPr>
-          <p:cNvPr id="12" name="Rectangle 11">
-            <a:extLst>
-              <a:ext uri="{FF2B5EF4-FFF2-40B4-BE49-F238E27FC236}">
-                <a16:creationId xmlns:a16="http://schemas.microsoft.com/office/drawing/2014/main" id="{359CEC61-F44B-43B3-B40F-AE38C5AF1D5F}"/>
-              </a:ext>
-              <a:ext uri="{C183D7F6-B498-43B3-948B-1728B52AA6E4}">
-                <adec:decorative xmlns:adec="http://schemas.microsoft.com/office/drawing/2017/decorative" val="1"/>
-              </a:ext>
-            </a:extLst>
-          </p:cNvPr>
-          <p:cNvSpPr>
-            <a:spLocks noGrp="1" noRot="1" noChangeAspect="1" noMove="1" noResize="1" noEditPoints="1" noAdjustHandles="1" noChangeArrowheads="1" noChangeShapeType="1" noTextEdit="1"/>
-          </p:cNvSpPr>
-          <p:nvPr>
-            <p:extLst>
-              <p:ext uri="{386F3935-93C4-4BCD-93E2-E3B085C9AB24}">
-                <p16:designElem xmlns:p16="http://schemas.microsoft.com/office/powerpoint/2015/main" val="1"/>
-              </p:ext>
-            </p:extLst>
-          </p:nvPr>
-        </p:nvSpPr>
-        <p:spPr>
-          <a:xfrm>
-            <a:off x="0" y="6400800"/>
-            <a:ext cx="12192000" cy="457200"/>
-          </a:xfrm>
-          <a:prstGeom prst="rect">
-            <a:avLst/>
-          </a:prstGeom>
-          <a:solidFill>
-            <a:srgbClr val="262626"/>
-          </a:solidFill>
-          <a:ln>
-            <a:noFill/>
-          </a:ln>
-        </p:spPr>
-        <p:style>
-          <a:lnRef idx="2">
-            <a:schemeClr val="accent1">
-              <a:shade val="50000"/>
-            </a:schemeClr>
-          </a:lnRef>
-          <a:fillRef idx="1">
-            <a:schemeClr val="accent1"/>
-          </a:fillRef>
-          <a:effectRef idx="0">
-            <a:schemeClr val="accent1"/>
-          </a:effectRef>
-          <a:fontRef idx="minor">
-            <a:schemeClr val="lt1"/>
-          </a:fontRef>
-        </p:style>
-      </p:sp>
-    </p:spTree>
-    <p:extLst>
-      <p:ext uri="{BB962C8B-B14F-4D97-AF65-F5344CB8AC3E}">
-        <p14:creationId xmlns:p14="http://schemas.microsoft.com/office/powerpoint/2010/main" val="3415813974"/>
-      </p:ext>
-    </p:extLst>
-  </p:cSld>
-  <p:clrMapOvr>
-    <a:masterClrMapping/>
   </p:clrMapOvr>
 </p:sld>
 </file>
@@ -14886,4 +15478,18 @@
     </a:ext>
   </a:extLst>
 </a:theme>
+</file>
+
+<file path=ppt/webextensions/webextension1.xml><?xml version="1.0" encoding="utf-8"?>
+<we:webextension xmlns:we="http://schemas.microsoft.com/office/webextensions/webextension/2010/11" id="{75B6CEF8-B477-4D8E-B25F-5C994B547F74}">
+  <we:reference id="wa104295828" version="1.9.0.0" store="en-US" storeType="OMEX"/>
+  <we:alternateReferences>
+    <we:reference id="WA104295828" version="1.9.0.0" store="WA104295828" storeType="OMEX"/>
+  </we:alternateReferences>
+  <we:properties>
+    <we:property name="__labs__" value="{&quot;configuration&quot;:{&quot;appVersion&quot;:{&quot;major&quot;:1,&quot;minor&quot;:0},&quot;components&quot;:[{&quot;type&quot;:&quot;Labs.Components.ActivityComponent&quot;,&quot;name&quot;:&quot;www.google.com/maps/embed?pb=!1m18!1m12!1m3!1d15879.251415564408!2d-121.96053467077883!3d49.11425393197325!2m3!1f0!2f0!3f0!3m2!1i1024!2i768!4f13.1!3m3!1m2!1s0x548447298710c98b%3A0x9ab90c9c5eb4fd08!2s45640%20Watson%20Rd%2C%20Chilliwack%2C%20BC%20V2R%203P8!5e0!3m2!1sen!2sca!4v1674709800448!5m2!1sen!2sca\&quot; width=\&quot;600\&quot; height=\&quot;450\&quot; style=\&quot;border:0;\&quot; allowfullscreen=\&quot;\&quot; loading=\&quot;lazy\&quot; referrerpolicy=\&quot;no-referrer-when-downgrade\&quot;&gt;&lt;/iframe&gt;www.wikipedia.org&quot;,&quot;values&quot;:{},&quot;data&quot;:{&quot;uri&quot;:&quot;www.google.com/maps/embed?pb=!1m18!1m12!1m3!1d15879.251415564408!2d-121.96053467077883!3d49.11425393197325!2m3!1f0!2f0!3f0!3m2!1i1024!2i768!4f13.1!3m3!1m2!1s0x548447298710c98b%3A0x9ab90c9c5eb4fd08!2s45640%20Watson%20Rd%2C%20Chilliwack%2C%20BC%20V2R%203P8!5e0!3m2!1sen!2sca!4v1674709800448!5m2!1sen!2sca\&quot; width=\&quot;600\&quot; height=\&quot;450\&quot; style=\&quot;border:0;\&quot; allowfullscreen=\&quot;\&quot; loading=\&quot;lazy\&quot; referrerpolicy=\&quot;no-referrer-when-downgrade\&quot;&gt;&lt;/iframe&gt;www.wikipedia.org&quot;},&quot;secure&quot;:false}],&quot;name&quot;:&quot;www.google.com/maps/embed?pb=!1m18!1m12!1m3!1d15879.251415564408!2d-121.96053467077883!3d49.11425393197325!2m3!1f0!2f0!3f0!3m2!1i1024!2i768!4f13.1!3m3!1m2!1s0x548447298710c98b%3A0x9ab90c9c5eb4fd08!2s45640%20Watson%20Rd%2C%20Chilliwack%2C%20BC%20V2R%203P8!5e0!3m2!1sen!2sca!4v1674709800448!5m2!1sen!2sca\&quot; width=\&quot;600\&quot; height=\&quot;450\&quot; style=\&quot;border:0;\&quot; allowfullscreen=\&quot;\&quot; loading=\&quot;lazy\&quot; referrerpolicy=\&quot;no-referrer-when-downgrade\&quot;&gt;&lt;/iframe&gt;www.wikipedia.org&quot;,&quot;timeline&quot;:null,&quot;analytics&quot;:null},&quot;hostVersion&quot;:{&quot;major&quot;:0,&quot;minor&quot;:1}}"/>
+  </we:properties>
+  <we:bindings/>
+  <we:snapshot xmlns:r="http://schemas.openxmlformats.org/officeDocument/2006/relationships" r:embed="rId1"/>
+</we:webextension>
 </file>
--- a/MobileHomeFlippingBusiness.pptx
+++ b/MobileHomeFlippingBusiness.pptx
@@ -10817,7 +10817,7 @@
         </p:spPr>
         <p:txBody>
           <a:bodyPr>
-            <a:normAutofit/>
+            <a:normAutofit fontScale="85000" lnSpcReduction="10000"/>
           </a:bodyPr>
           <a:lstStyle/>
           <a:p>
@@ -10857,7 +10857,7 @@
               </a:lnSpc>
             </a:pPr>
             <a:r>
-              <a:rPr lang="en-US" sz="1800">
+              <a:rPr lang="en-US" sz="1800" dirty="0">
                 <a:solidFill>
                   <a:srgbClr val="FFFFFF"/>
                 </a:solidFill>
@@ -10877,7 +10877,7 @@
                   <a:srgbClr val="FFFFFF"/>
                 </a:solidFill>
               </a:rPr>
-              <a:t>Anticipated Other Costs: 		$    27,800</a:t>
+              <a:t>Anticipated Other Costs: 			$    27,800</a:t>
             </a:r>
           </a:p>
           <a:p>
@@ -10907,7 +10907,7 @@
                   <a:srgbClr val="FFFFFF"/>
                 </a:solidFill>
               </a:rPr>
-              <a:t>Capital Required: 			$    83,000</a:t>
+              <a:t>Capital Required: 				$    83,000</a:t>
             </a:r>
           </a:p>
           <a:p>
@@ -10924,7 +10924,31 @@
               </a:rPr>
               <a:t>Return on Investment: 			            50.70%</a:t>
             </a:r>
-            <a:endParaRPr lang="en-CA" sz="1800" dirty="0">
+          </a:p>
+          <a:p>
+            <a:pPr>
+              <a:lnSpc>
+                <a:spcPct val="110000"/>
+              </a:lnSpc>
+            </a:pPr>
+            <a:r>
+              <a:rPr lang="en-CA" sz="1500" dirty="0">
+                <a:solidFill>
+                  <a:srgbClr val="FFFFFF"/>
+                </a:solidFill>
+              </a:rPr>
+              <a:t>                                                                                                          </a:t>
+            </a:r>
+            <a:r>
+              <a:rPr lang="en-CA" sz="1500" dirty="0">
+                <a:solidFill>
+                  <a:srgbClr val="FFFFFF"/>
+                </a:solidFill>
+                <a:hlinkClick r:id="rId3"/>
+              </a:rPr>
+              <a:t>ROI Calculation tool Download:</a:t>
+            </a:r>
+            <a:endParaRPr lang="en-CA" sz="1500" dirty="0">
               <a:solidFill>
                 <a:srgbClr val="FFFFFF"/>
               </a:solidFill>
@@ -12140,10 +12164,10 @@
       </p:grpSpPr>
       <p:sp useBgFill="1">
         <p:nvSpPr>
-          <p:cNvPr id="8" name="Rectangle 7">
+          <p:cNvPr id="31" name="Rectangle 24">
             <a:extLst>
               <a:ext uri="{FF2B5EF4-FFF2-40B4-BE49-F238E27FC236}">
-                <a16:creationId xmlns:a16="http://schemas.microsoft.com/office/drawing/2014/main" id="{3558DB37-9FEE-48A2-8578-ED0401573943}"/>
+                <a16:creationId xmlns:a16="http://schemas.microsoft.com/office/drawing/2014/main" id="{873ECEC8-0F24-45B8-950F-35FC94BCEAC8}"/>
               </a:ext>
               <a:ext uri="{C183D7F6-B498-43B3-948B-1728B52AA6E4}">
                 <adec:decorative xmlns:adec="http://schemas.microsoft.com/office/drawing/2017/decorative" val="1"/>
@@ -12163,8 +12187,8 @@
         </p:nvSpPr>
         <p:spPr>
           <a:xfrm>
-            <a:off x="1507" y="0"/>
-            <a:ext cx="12192000" cy="6858000"/>
+            <a:off x="-1" y="0"/>
+            <a:ext cx="12192001" cy="6858000"/>
           </a:xfrm>
           <a:prstGeom prst="rect">
             <a:avLst/>
@@ -12200,61 +12224,6 @@
       </p:sp>
       <p:sp>
         <p:nvSpPr>
-          <p:cNvPr id="10" name="Rectangle 9">
-            <a:extLst>
-              <a:ext uri="{FF2B5EF4-FFF2-40B4-BE49-F238E27FC236}">
-                <a16:creationId xmlns:a16="http://schemas.microsoft.com/office/drawing/2014/main" id="{5F7FCCA6-00E2-4F74-A105-0D769872F243}"/>
-              </a:ext>
-              <a:ext uri="{C183D7F6-B498-43B3-948B-1728B52AA6E4}">
-                <adec:decorative xmlns:adec="http://schemas.microsoft.com/office/drawing/2017/decorative" val="1"/>
-              </a:ext>
-            </a:extLst>
-          </p:cNvPr>
-          <p:cNvSpPr>
-            <a:spLocks noGrp="1" noRot="1" noChangeAspect="1" noMove="1" noResize="1" noEditPoints="1" noAdjustHandles="1" noChangeArrowheads="1" noChangeShapeType="1" noTextEdit="1"/>
-          </p:cNvSpPr>
-          <p:nvPr>
-            <p:extLst>
-              <p:ext uri="{386F3935-93C4-4BCD-93E2-E3B085C9AB24}">
-                <p16:designElem xmlns:p16="http://schemas.microsoft.com/office/powerpoint/2015/main" val="1"/>
-              </p:ext>
-            </p:extLst>
-          </p:nvPr>
-        </p:nvSpPr>
-        <p:spPr bwMode="white">
-          <a:xfrm>
-            <a:off x="1507" y="0"/>
-            <a:ext cx="12188952" cy="1905000"/>
-          </a:xfrm>
-          <a:prstGeom prst="rect">
-            <a:avLst/>
-          </a:prstGeom>
-          <a:solidFill>
-            <a:srgbClr val="262626"/>
-          </a:solidFill>
-          <a:ln>
-            <a:noFill/>
-          </a:ln>
-        </p:spPr>
-        <p:style>
-          <a:lnRef idx="2">
-            <a:schemeClr val="accent1">
-              <a:shade val="50000"/>
-            </a:schemeClr>
-          </a:lnRef>
-          <a:fillRef idx="1">
-            <a:schemeClr val="accent1"/>
-          </a:fillRef>
-          <a:effectRef idx="0">
-            <a:schemeClr val="accent1"/>
-          </a:effectRef>
-          <a:fontRef idx="minor">
-            <a:schemeClr val="lt1"/>
-          </a:fontRef>
-        </p:style>
-      </p:sp>
-      <p:sp>
-        <p:nvSpPr>
           <p:cNvPr id="2" name="Title 1">
             <a:extLst>
               <a:ext uri="{FF2B5EF4-FFF2-40B4-BE49-F238E27FC236}">
@@ -12271,40 +12240,79 @@
         </p:nvSpPr>
         <p:spPr>
           <a:xfrm>
-            <a:off x="1097280" y="286603"/>
-            <a:ext cx="10058400" cy="1450757"/>
+            <a:off x="642257" y="634946"/>
+            <a:ext cx="3690257" cy="1450757"/>
           </a:xfrm>
         </p:spPr>
         <p:txBody>
-          <a:bodyPr anchor="ctr">
+          <a:bodyPr>
             <a:normAutofit/>
           </a:bodyPr>
           <a:lstStyle/>
           <a:p>
             <a:r>
-              <a:rPr lang="en-US" dirty="0">
-                <a:solidFill>
-                  <a:srgbClr val="FFFFFF"/>
-                </a:solidFill>
-              </a:rPr>
-              <a:t>Future Business Plan </a:t>
+              <a:rPr lang="en-US" sz="3100"/>
+              <a:t>Future Business Plan &amp; Partnership: </a:t>
             </a:r>
-            <a:r>
-              <a:rPr lang="en-US">
-                <a:solidFill>
-                  <a:srgbClr val="FFFFFF"/>
-                </a:solidFill>
-              </a:rPr>
-              <a:t>&amp; Partnership: </a:t>
-            </a:r>
-            <a:endParaRPr lang="en-CA">
-              <a:solidFill>
-                <a:srgbClr val="FFFFFF"/>
-              </a:solidFill>
-            </a:endParaRPr>
+            <a:endParaRPr lang="en-CA" sz="3100"/>
           </a:p>
         </p:txBody>
       </p:sp>
+      <p:cxnSp>
+        <p:nvCxnSpPr>
+          <p:cNvPr id="32" name="Straight Connector 26">
+            <a:extLst>
+              <a:ext uri="{FF2B5EF4-FFF2-40B4-BE49-F238E27FC236}">
+                <a16:creationId xmlns:a16="http://schemas.microsoft.com/office/drawing/2014/main" id="{89EB8C68-FF1B-4849-867B-32D29B19F102}"/>
+              </a:ext>
+              <a:ext uri="{C183D7F6-B498-43B3-948B-1728B52AA6E4}">
+                <adec:decorative xmlns:adec="http://schemas.microsoft.com/office/drawing/2017/decorative" val="1"/>
+              </a:ext>
+            </a:extLst>
+          </p:cNvPr>
+          <p:cNvCxnSpPr>
+            <a:cxnSpLocks noGrp="1" noRot="1" noChangeAspect="1" noMove="1" noResize="1" noEditPoints="1" noAdjustHandles="1" noChangeArrowheads="1" noChangeShapeType="1"/>
+          </p:cNvCxnSpPr>
+          <p:nvPr>
+            <p:extLst>
+              <p:ext uri="{386F3935-93C4-4BCD-93E2-E3B085C9AB24}">
+                <p16:designElem xmlns:p16="http://schemas.microsoft.com/office/powerpoint/2015/main" val="1"/>
+              </p:ext>
+            </p:extLst>
+          </p:nvPr>
+        </p:nvCxnSpPr>
+        <p:spPr>
+          <a:xfrm>
+            <a:off x="720797" y="2250460"/>
+            <a:ext cx="3474720" cy="0"/>
+          </a:xfrm>
+          <a:prstGeom prst="line">
+            <a:avLst/>
+          </a:prstGeom>
+          <a:ln w="12700">
+            <a:solidFill>
+              <a:schemeClr val="tx1">
+                <a:lumMod val="75000"/>
+                <a:lumOff val="25000"/>
+              </a:schemeClr>
+            </a:solidFill>
+          </a:ln>
+        </p:spPr>
+        <p:style>
+          <a:lnRef idx="1">
+            <a:schemeClr val="accent1"/>
+          </a:lnRef>
+          <a:fillRef idx="0">
+            <a:schemeClr val="accent1"/>
+          </a:fillRef>
+          <a:effectRef idx="0">
+            <a:schemeClr val="accent1"/>
+          </a:effectRef>
+          <a:fontRef idx="minor">
+            <a:schemeClr val="tx1"/>
+          </a:fontRef>
+        </p:style>
+      </p:cxnSp>
       <p:sp>
         <p:nvSpPr>
           <p:cNvPr id="3" name="Content Placeholder 2">
@@ -12323,8 +12331,8 @@
         </p:nvSpPr>
         <p:spPr>
           <a:xfrm>
-            <a:off x="1096963" y="2675694"/>
-            <a:ext cx="10058400" cy="3193294"/>
+            <a:off x="642257" y="2407436"/>
+            <a:ext cx="3690257" cy="3461658"/>
           </a:xfrm>
         </p:spPr>
         <p:txBody>
@@ -12333,16 +12341,49 @@
           </a:bodyPr>
           <a:lstStyle/>
           <a:p>
-            <a:endParaRPr lang="en-CA"/>
+            <a:r>
+              <a:rPr lang="en-US" dirty="0"/>
+              <a:t>Mobile home is the starting point. Low cost and more straightforward renovation than a regular house. I want to build up the renovation team and move on to more expensive homes or more complicated renovation projects to make a more significant profit. </a:t>
+            </a:r>
+            <a:endParaRPr lang="en-CA" dirty="0"/>
           </a:p>
         </p:txBody>
       </p:sp>
+      <p:pic>
+        <p:nvPicPr>
+          <p:cNvPr id="14" name="Picture 13" descr="A midsection of a person holding a miniature house">
+            <a:extLst>
+              <a:ext uri="{FF2B5EF4-FFF2-40B4-BE49-F238E27FC236}">
+                <a16:creationId xmlns:a16="http://schemas.microsoft.com/office/drawing/2014/main" id="{EADFD025-0FE4-A2A1-BAE6-CF291BCAE480}"/>
+              </a:ext>
+            </a:extLst>
+          </p:cNvPr>
+          <p:cNvPicPr>
+            <a:picLocks noChangeAspect="1"/>
+          </p:cNvPicPr>
+          <p:nvPr/>
+        </p:nvPicPr>
+        <p:blipFill rotWithShape="1">
+          <a:blip r:embed="rId2"/>
+          <a:srcRect l="9735" r="8352"/>
+          <a:stretch/>
+        </p:blipFill>
+        <p:spPr>
+          <a:xfrm>
+            <a:off x="4648201" y="640081"/>
+            <a:ext cx="6909801" cy="5314406"/>
+          </a:xfrm>
+          <a:prstGeom prst="rect">
+            <a:avLst/>
+          </a:prstGeom>
+        </p:spPr>
+      </p:pic>
       <p:sp>
         <p:nvSpPr>
-          <p:cNvPr id="12" name="Rectangle 11">
+          <p:cNvPr id="33" name="Rectangle 28">
             <a:extLst>
               <a:ext uri="{FF2B5EF4-FFF2-40B4-BE49-F238E27FC236}">
-                <a16:creationId xmlns:a16="http://schemas.microsoft.com/office/drawing/2014/main" id="{359CEC61-F44B-43B3-B40F-AE38C5AF1D5F}"/>
+                <a16:creationId xmlns:a16="http://schemas.microsoft.com/office/drawing/2014/main" id="{8B53612E-ADB2-4457-9688-89506397AF28}"/>
               </a:ext>
               <a:ext uri="{C183D7F6-B498-43B3-948B-1728B52AA6E4}">
                 <adec:decorative xmlns:adec="http://schemas.microsoft.com/office/drawing/2017/decorative" val="1"/>
@@ -12362,7 +12403,7 @@
         </p:nvSpPr>
         <p:spPr>
           <a:xfrm>
-            <a:off x="0" y="6400800"/>
+            <a:off x="-1" y="6400800"/>
             <a:ext cx="12192000" cy="457200"/>
           </a:xfrm>
           <a:prstGeom prst="rect">

--- a/MobileHomeFlippingBusiness.pptx
+++ b/MobileHomeFlippingBusiness.pptx
@@ -6483,7 +6483,7 @@
           <a:p>
             <a:fld id="{9184DA70-C731-4C70-880D-CCD4705E623C}" type="datetime1">
               <a:rPr lang="en-US" smtClean="0"/>
-              <a:t>1/28/2023</a:t>
+              <a:t>1/29/2023</a:t>
             </a:fld>
             <a:endParaRPr lang="en-US" dirty="0"/>
           </a:p>
@@ -6671,7 +6671,7 @@
           <a:p>
             <a:fld id="{B612A279-0833-481D-8C56-F67FD0AC6C50}" type="datetime1">
               <a:rPr lang="en-US" smtClean="0"/>
-              <a:t>1/28/2023</a:t>
+              <a:t>1/29/2023</a:t>
             </a:fld>
             <a:endParaRPr lang="en-US" dirty="0"/>
           </a:p>
@@ -6913,7 +6913,7 @@
           <a:p>
             <a:fld id="{6587DA83-5663-4C9C-B9AA-0B40A3DAFF81}" type="datetime1">
               <a:rPr lang="en-US" smtClean="0"/>
-              <a:t>1/28/2023</a:t>
+              <a:t>1/29/2023</a:t>
             </a:fld>
             <a:endParaRPr lang="en-US" dirty="0"/>
           </a:p>
@@ -7101,7 +7101,7 @@
           <a:p>
             <a:fld id="{4BE1D723-8F53-4F53-90B0-1982A396982E}" type="datetime1">
               <a:rPr lang="en-US" smtClean="0"/>
-              <a:t>1/28/2023</a:t>
+              <a:t>1/29/2023</a:t>
             </a:fld>
             <a:endParaRPr lang="en-US" dirty="0"/>
           </a:p>
@@ -7474,7 +7474,7 @@
           <a:p>
             <a:fld id="{97669AF7-7BEB-44E4-9852-375E34362B5B}" type="datetime1">
               <a:rPr lang="en-US" smtClean="0"/>
-              <a:t>1/28/2023</a:t>
+              <a:t>1/29/2023</a:t>
             </a:fld>
             <a:endParaRPr lang="en-US" dirty="0"/>
           </a:p>
@@ -7729,7 +7729,7 @@
           <a:p>
             <a:fld id="{BAAAC38D-0552-4C82-B593-E6124DFADBE2}" type="datetime1">
               <a:rPr lang="en-US" smtClean="0"/>
-              <a:t>1/28/2023</a:t>
+              <a:t>1/29/2023</a:t>
             </a:fld>
             <a:endParaRPr lang="en-US" dirty="0"/>
           </a:p>
@@ -8126,7 +8126,7 @@
           <a:p>
             <a:fld id="{D9DF0F1C-5577-4ACB-BB62-DF8F3C494C7E}" type="datetime1">
               <a:rPr lang="en-US" smtClean="0"/>
-              <a:t>1/28/2023</a:t>
+              <a:t>1/29/2023</a:t>
             </a:fld>
             <a:endParaRPr lang="en-US" dirty="0"/>
           </a:p>
@@ -8262,7 +8262,7 @@
           <a:p>
             <a:fld id="{1775B394-D9F9-4F0C-B15D-605F45CB9E9F}" type="datetime1">
               <a:rPr lang="en-US" smtClean="0"/>
-              <a:t>1/28/2023</a:t>
+              <a:t>1/29/2023</a:t>
             </a:fld>
             <a:endParaRPr lang="en-US" dirty="0"/>
           </a:p>
@@ -8419,7 +8419,7 @@
           <a:p>
             <a:fld id="{39667345-2558-425A-8533-9BFDBCE15005}" type="datetime1">
               <a:rPr lang="en-US" smtClean="0"/>
-              <a:t>1/28/2023</a:t>
+              <a:t>1/29/2023</a:t>
             </a:fld>
             <a:endParaRPr lang="en-US" dirty="0"/>
           </a:p>
@@ -8748,7 +8748,7 @@
           <a:p>
             <a:fld id="{92BEA474-078D-4E9B-9B14-09A87B19DC46}" type="datetime1">
               <a:rPr lang="en-US" smtClean="0"/>
-              <a:t>1/28/2023</a:t>
+              <a:t>1/29/2023</a:t>
             </a:fld>
             <a:endParaRPr lang="en-US" dirty="0"/>
           </a:p>
@@ -9098,7 +9098,7 @@
           <a:p>
             <a:fld id="{4907D986-8816-4272-A432-0437A28A9828}" type="datetime1">
               <a:rPr lang="en-US" smtClean="0"/>
-              <a:t>1/28/2023</a:t>
+              <a:t>1/29/2023</a:t>
             </a:fld>
             <a:endParaRPr lang="en-US" dirty="0"/>
           </a:p>
@@ -9359,7 +9359,7 @@
           <a:p>
             <a:fld id="{62D6E202-B606-4609-B914-27C9371A1F6D}" type="datetime1">
               <a:rPr lang="en-US" smtClean="0"/>
-              <a:t>1/28/2023</a:t>
+              <a:t>1/29/2023</a:t>
             </a:fld>
             <a:endParaRPr lang="en-US" dirty="0"/>
           </a:p>
@@ -10393,8 +10393,8 @@
           </a:p>
         </p:txBody>
       </p:sp>
-      <mc:AlternateContent xmlns:mc="http://schemas.openxmlformats.org/markup-compatibility/2006">
-        <mc:Choice xmlns:we="http://schemas.microsoft.com/office/webextensions/webextension/2010/11" xmlns:pca="http://schemas.microsoft.com/office/powerpoint/2013/contentapp" Requires="we pca">
+      <mc:AlternateContent xmlns:mc="http://schemas.openxmlformats.org/markup-compatibility/2006" xmlns:we="http://schemas.microsoft.com/office/webextensions/webextension/2010/11" xmlns:pca="http://schemas.microsoft.com/office/powerpoint/2013/contentapp">
+        <mc:Choice Requires="we pca">
           <p:graphicFrame>
             <p:nvGraphicFramePr>
               <p:cNvPr id="4" name="Content Placeholder 3" title="Web Viewer">
@@ -10427,7 +10427,7 @@
             </a:graphic>
           </p:graphicFrame>
         </mc:Choice>
-        <mc:Fallback>
+        <mc:Fallback xmlns="">
           <p:pic>
             <p:nvPicPr>
               <p:cNvPr id="4" name="Content Placeholder 3" title="Web Viewer">
@@ -12897,7 +12897,7 @@
                   <a:srgbClr val="FFFFFF"/>
                 </a:solidFill>
               </a:rPr>
-              <a:t> - </a:t>
+              <a:t> -</a:t>
             </a:r>
             <a:r>
               <a:rPr lang="en-US" sz="1800" dirty="0">
@@ -12906,7 +12906,7 @@
                 </a:solidFill>
                 <a:hlinkClick r:id="rId2"/>
               </a:rPr>
-              <a:t>Instagram</a:t>
+              <a:t> Instagram</a:t>
             </a:r>
             <a:endParaRPr lang="en-US" sz="1800" dirty="0">
               <a:solidFill>
